--- a/Documents/Project report Vero/figures/APA_analysis/axesGW.pptx
+++ b/Documents/Project report Vero/figures/APA_analysis/axesGW.pptx
@@ -7,14 +7,14 @@
   <p:sldIdLst>
     <p:sldId id="256" r:id="rId2"/>
   </p:sldIdLst>
-  <p:sldSz cx="9144000" cy="6858000" type="screen4x3"/>
+  <p:sldSz cx="2520950" cy="3600450"/>
   <p:notesSz cx="6858000" cy="9144000"/>
   <p:defaultTextStyle>
     <a:defPPr>
       <a:defRPr lang="es-ES"/>
     </a:defPPr>
-    <a:lvl1pPr marL="0" algn="l" defTabSz="914400" rtl="0" eaLnBrk="1" latinLnBrk="0" hangingPunct="1">
-      <a:defRPr sz="1800" kern="1200">
+    <a:lvl1pPr marL="0" algn="l" defTabSz="473036" rtl="0" eaLnBrk="1" latinLnBrk="0" hangingPunct="1">
+      <a:defRPr sz="900" kern="1200">
         <a:solidFill>
           <a:schemeClr val="tx1"/>
         </a:solidFill>
@@ -23,8 +23,8 @@
         <a:cs typeface="+mn-cs"/>
       </a:defRPr>
     </a:lvl1pPr>
-    <a:lvl2pPr marL="457200" algn="l" defTabSz="914400" rtl="0" eaLnBrk="1" latinLnBrk="0" hangingPunct="1">
-      <a:defRPr sz="1800" kern="1200">
+    <a:lvl2pPr marL="236518" algn="l" defTabSz="473036" rtl="0" eaLnBrk="1" latinLnBrk="0" hangingPunct="1">
+      <a:defRPr sz="900" kern="1200">
         <a:solidFill>
           <a:schemeClr val="tx1"/>
         </a:solidFill>
@@ -33,8 +33,8 @@
         <a:cs typeface="+mn-cs"/>
       </a:defRPr>
     </a:lvl2pPr>
-    <a:lvl3pPr marL="914400" algn="l" defTabSz="914400" rtl="0" eaLnBrk="1" latinLnBrk="0" hangingPunct="1">
-      <a:defRPr sz="1800" kern="1200">
+    <a:lvl3pPr marL="473036" algn="l" defTabSz="473036" rtl="0" eaLnBrk="1" latinLnBrk="0" hangingPunct="1">
+      <a:defRPr sz="900" kern="1200">
         <a:solidFill>
           <a:schemeClr val="tx1"/>
         </a:solidFill>
@@ -43,8 +43,8 @@
         <a:cs typeface="+mn-cs"/>
       </a:defRPr>
     </a:lvl3pPr>
-    <a:lvl4pPr marL="1371600" algn="l" defTabSz="914400" rtl="0" eaLnBrk="1" latinLnBrk="0" hangingPunct="1">
-      <a:defRPr sz="1800" kern="1200">
+    <a:lvl4pPr marL="709555" algn="l" defTabSz="473036" rtl="0" eaLnBrk="1" latinLnBrk="0" hangingPunct="1">
+      <a:defRPr sz="900" kern="1200">
         <a:solidFill>
           <a:schemeClr val="tx1"/>
         </a:solidFill>
@@ -53,8 +53,8 @@
         <a:cs typeface="+mn-cs"/>
       </a:defRPr>
     </a:lvl4pPr>
-    <a:lvl5pPr marL="1828800" algn="l" defTabSz="914400" rtl="0" eaLnBrk="1" latinLnBrk="0" hangingPunct="1">
-      <a:defRPr sz="1800" kern="1200">
+    <a:lvl5pPr marL="946073" algn="l" defTabSz="473036" rtl="0" eaLnBrk="1" latinLnBrk="0" hangingPunct="1">
+      <a:defRPr sz="900" kern="1200">
         <a:solidFill>
           <a:schemeClr val="tx1"/>
         </a:solidFill>
@@ -63,8 +63,8 @@
         <a:cs typeface="+mn-cs"/>
       </a:defRPr>
     </a:lvl5pPr>
-    <a:lvl6pPr marL="2286000" algn="l" defTabSz="914400" rtl="0" eaLnBrk="1" latinLnBrk="0" hangingPunct="1">
-      <a:defRPr sz="1800" kern="1200">
+    <a:lvl6pPr marL="1182591" algn="l" defTabSz="473036" rtl="0" eaLnBrk="1" latinLnBrk="0" hangingPunct="1">
+      <a:defRPr sz="900" kern="1200">
         <a:solidFill>
           <a:schemeClr val="tx1"/>
         </a:solidFill>
@@ -73,8 +73,8 @@
         <a:cs typeface="+mn-cs"/>
       </a:defRPr>
     </a:lvl6pPr>
-    <a:lvl7pPr marL="2743200" algn="l" defTabSz="914400" rtl="0" eaLnBrk="1" latinLnBrk="0" hangingPunct="1">
-      <a:defRPr sz="1800" kern="1200">
+    <a:lvl7pPr marL="1419109" algn="l" defTabSz="473036" rtl="0" eaLnBrk="1" latinLnBrk="0" hangingPunct="1">
+      <a:defRPr sz="900" kern="1200">
         <a:solidFill>
           <a:schemeClr val="tx1"/>
         </a:solidFill>
@@ -83,8 +83,8 @@
         <a:cs typeface="+mn-cs"/>
       </a:defRPr>
     </a:lvl7pPr>
-    <a:lvl8pPr marL="3200400" algn="l" defTabSz="914400" rtl="0" eaLnBrk="1" latinLnBrk="0" hangingPunct="1">
-      <a:defRPr sz="1800" kern="1200">
+    <a:lvl8pPr marL="1655627" algn="l" defTabSz="473036" rtl="0" eaLnBrk="1" latinLnBrk="0" hangingPunct="1">
+      <a:defRPr sz="900" kern="1200">
         <a:solidFill>
           <a:schemeClr val="tx1"/>
         </a:solidFill>
@@ -93,8 +93,8 @@
         <a:cs typeface="+mn-cs"/>
       </a:defRPr>
     </a:lvl8pPr>
-    <a:lvl9pPr marL="3657600" algn="l" defTabSz="914400" rtl="0" eaLnBrk="1" latinLnBrk="0" hangingPunct="1">
-      <a:defRPr sz="1800" kern="1200">
+    <a:lvl9pPr marL="1892146" algn="l" defTabSz="473036" rtl="0" eaLnBrk="1" latinLnBrk="0" hangingPunct="1">
+      <a:defRPr sz="900" kern="1200">
         <a:solidFill>
           <a:schemeClr val="tx1"/>
         </a:solidFill>
@@ -136,8 +136,8 @@
         </p:nvSpPr>
         <p:spPr>
           <a:xfrm>
-            <a:off x="685800" y="2130425"/>
-            <a:ext cx="7772400" cy="1470025"/>
+            <a:off x="189073" y="1118475"/>
+            <a:ext cx="2142807" cy="771763"/>
           </a:xfrm>
         </p:spPr>
         <p:txBody>
@@ -164,8 +164,8 @@
         </p:nvSpPr>
         <p:spPr>
           <a:xfrm>
-            <a:off x="1371600" y="3886200"/>
-            <a:ext cx="6400800" cy="1752600"/>
+            <a:off x="378143" y="2040257"/>
+            <a:ext cx="1764666" cy="920115"/>
           </a:xfrm>
         </p:spPr>
         <p:txBody>
@@ -181,7 +181,7 @@
                 </a:solidFill>
               </a:defRPr>
             </a:lvl1pPr>
-            <a:lvl2pPr marL="457200" indent="0" algn="ctr">
+            <a:lvl2pPr marL="236518" indent="0" algn="ctr">
               <a:buNone/>
               <a:defRPr>
                 <a:solidFill>
@@ -191,7 +191,7 @@
                 </a:solidFill>
               </a:defRPr>
             </a:lvl2pPr>
-            <a:lvl3pPr marL="914400" indent="0" algn="ctr">
+            <a:lvl3pPr marL="473036" indent="0" algn="ctr">
               <a:buNone/>
               <a:defRPr>
                 <a:solidFill>
@@ -201,7 +201,7 @@
                 </a:solidFill>
               </a:defRPr>
             </a:lvl3pPr>
-            <a:lvl4pPr marL="1371600" indent="0" algn="ctr">
+            <a:lvl4pPr marL="709555" indent="0" algn="ctr">
               <a:buNone/>
               <a:defRPr>
                 <a:solidFill>
@@ -211,7 +211,7 @@
                 </a:solidFill>
               </a:defRPr>
             </a:lvl4pPr>
-            <a:lvl5pPr marL="1828800" indent="0" algn="ctr">
+            <a:lvl5pPr marL="946073" indent="0" algn="ctr">
               <a:buNone/>
               <a:defRPr>
                 <a:solidFill>
@@ -221,7 +221,7 @@
                 </a:solidFill>
               </a:defRPr>
             </a:lvl5pPr>
-            <a:lvl6pPr marL="2286000" indent="0" algn="ctr">
+            <a:lvl6pPr marL="1182591" indent="0" algn="ctr">
               <a:buNone/>
               <a:defRPr>
                 <a:solidFill>
@@ -231,7 +231,7 @@
                 </a:solidFill>
               </a:defRPr>
             </a:lvl6pPr>
-            <a:lvl7pPr marL="2743200" indent="0" algn="ctr">
+            <a:lvl7pPr marL="1419109" indent="0" algn="ctr">
               <a:buNone/>
               <a:defRPr>
                 <a:solidFill>
@@ -241,7 +241,7 @@
                 </a:solidFill>
               </a:defRPr>
             </a:lvl7pPr>
-            <a:lvl8pPr marL="3200400" indent="0" algn="ctr">
+            <a:lvl8pPr marL="1655627" indent="0" algn="ctr">
               <a:buNone/>
               <a:defRPr>
                 <a:solidFill>
@@ -251,7 +251,7 @@
                 </a:solidFill>
               </a:defRPr>
             </a:lvl8pPr>
-            <a:lvl9pPr marL="3657600" indent="0" algn="ctr">
+            <a:lvl9pPr marL="1892146" indent="0" algn="ctr">
               <a:buNone/>
               <a:defRPr>
                 <a:solidFill>
@@ -288,7 +288,7 @@
           <a:p>
             <a:fld id="{2748552A-4B83-4274-B632-6B19794066D7}" type="datetimeFigureOut">
               <a:rPr lang="es-ES" smtClean="0"/>
-              <a:t>13/05/2015</a:t>
+              <a:t>03/07/2015</a:t>
             </a:fld>
             <a:endParaRPr lang="es-ES"/>
           </a:p>
@@ -458,7 +458,7 @@
           <a:p>
             <a:fld id="{2748552A-4B83-4274-B632-6B19794066D7}" type="datetimeFigureOut">
               <a:rPr lang="es-ES" smtClean="0"/>
-              <a:t>13/05/2015</a:t>
+              <a:t>03/07/2015</a:t>
             </a:fld>
             <a:endParaRPr lang="es-ES"/>
           </a:p>
@@ -548,8 +548,8 @@
         </p:nvSpPr>
         <p:spPr>
           <a:xfrm>
-            <a:off x="6629400" y="274638"/>
-            <a:ext cx="2057400" cy="5851525"/>
+            <a:off x="1827689" y="144188"/>
+            <a:ext cx="567214" cy="3072051"/>
           </a:xfrm>
         </p:spPr>
         <p:txBody>
@@ -576,8 +576,8 @@
         </p:nvSpPr>
         <p:spPr>
           <a:xfrm>
-            <a:off x="457200" y="274638"/>
-            <a:ext cx="6019800" cy="5851525"/>
+            <a:off x="126049" y="144188"/>
+            <a:ext cx="1659625" cy="3072051"/>
           </a:xfrm>
         </p:spPr>
         <p:txBody>
@@ -638,7 +638,7 @@
           <a:p>
             <a:fld id="{2748552A-4B83-4274-B632-6B19794066D7}" type="datetimeFigureOut">
               <a:rPr lang="es-ES" smtClean="0"/>
-              <a:t>13/05/2015</a:t>
+              <a:t>03/07/2015</a:t>
             </a:fld>
             <a:endParaRPr lang="es-ES"/>
           </a:p>
@@ -808,7 +808,7 @@
           <a:p>
             <a:fld id="{2748552A-4B83-4274-B632-6B19794066D7}" type="datetimeFigureOut">
               <a:rPr lang="es-ES" smtClean="0"/>
-              <a:t>13/05/2015</a:t>
+              <a:t>03/07/2015</a:t>
             </a:fld>
             <a:endParaRPr lang="es-ES"/>
           </a:p>
@@ -898,15 +898,15 @@
         </p:nvSpPr>
         <p:spPr>
           <a:xfrm>
-            <a:off x="722313" y="4406900"/>
-            <a:ext cx="7772400" cy="1362075"/>
+            <a:off x="199139" y="2313625"/>
+            <a:ext cx="2142807" cy="715089"/>
           </a:xfrm>
         </p:spPr>
         <p:txBody>
           <a:bodyPr anchor="t"/>
           <a:lstStyle>
             <a:lvl1pPr algn="l">
-              <a:defRPr sz="4000" b="1" cap="all"/>
+              <a:defRPr sz="2000" b="1" cap="all"/>
             </a:lvl1pPr>
           </a:lstStyle>
           <a:p>
@@ -930,8 +930,8 @@
         </p:nvSpPr>
         <p:spPr>
           <a:xfrm>
-            <a:off x="722313" y="2906713"/>
-            <a:ext cx="7772400" cy="1500187"/>
+            <a:off x="199139" y="1526026"/>
+            <a:ext cx="2142807" cy="787599"/>
           </a:xfrm>
         </p:spPr>
         <p:txBody>
@@ -939,7 +939,7 @@
           <a:lstStyle>
             <a:lvl1pPr marL="0" indent="0">
               <a:buNone/>
-              <a:defRPr sz="2000">
+              <a:defRPr sz="1000">
                 <a:solidFill>
                   <a:schemeClr val="tx1">
                     <a:tint val="75000"/>
@@ -947,9 +947,9 @@
                 </a:solidFill>
               </a:defRPr>
             </a:lvl1pPr>
-            <a:lvl2pPr marL="457200" indent="0">
-              <a:buNone/>
-              <a:defRPr sz="1800">
+            <a:lvl2pPr marL="236518" indent="0">
+              <a:buNone/>
+              <a:defRPr sz="900">
                 <a:solidFill>
                   <a:schemeClr val="tx1">
                     <a:tint val="75000"/>
@@ -957,9 +957,9 @@
                 </a:solidFill>
               </a:defRPr>
             </a:lvl2pPr>
-            <a:lvl3pPr marL="914400" indent="0">
-              <a:buNone/>
-              <a:defRPr sz="1600">
+            <a:lvl3pPr marL="473036" indent="0">
+              <a:buNone/>
+              <a:defRPr sz="800">
                 <a:solidFill>
                   <a:schemeClr val="tx1">
                     <a:tint val="75000"/>
@@ -967,9 +967,9 @@
                 </a:solidFill>
               </a:defRPr>
             </a:lvl3pPr>
-            <a:lvl4pPr marL="1371600" indent="0">
-              <a:buNone/>
-              <a:defRPr sz="1400">
+            <a:lvl4pPr marL="709555" indent="0">
+              <a:buNone/>
+              <a:defRPr sz="700">
                 <a:solidFill>
                   <a:schemeClr val="tx1">
                     <a:tint val="75000"/>
@@ -977,9 +977,9 @@
                 </a:solidFill>
               </a:defRPr>
             </a:lvl4pPr>
-            <a:lvl5pPr marL="1828800" indent="0">
-              <a:buNone/>
-              <a:defRPr sz="1400">
+            <a:lvl5pPr marL="946073" indent="0">
+              <a:buNone/>
+              <a:defRPr sz="700">
                 <a:solidFill>
                   <a:schemeClr val="tx1">
                     <a:tint val="75000"/>
@@ -987,9 +987,9 @@
                 </a:solidFill>
               </a:defRPr>
             </a:lvl5pPr>
-            <a:lvl6pPr marL="2286000" indent="0">
-              <a:buNone/>
-              <a:defRPr sz="1400">
+            <a:lvl6pPr marL="1182591" indent="0">
+              <a:buNone/>
+              <a:defRPr sz="700">
                 <a:solidFill>
                   <a:schemeClr val="tx1">
                     <a:tint val="75000"/>
@@ -997,9 +997,9 @@
                 </a:solidFill>
               </a:defRPr>
             </a:lvl6pPr>
-            <a:lvl7pPr marL="2743200" indent="0">
-              <a:buNone/>
-              <a:defRPr sz="1400">
+            <a:lvl7pPr marL="1419109" indent="0">
+              <a:buNone/>
+              <a:defRPr sz="700">
                 <a:solidFill>
                   <a:schemeClr val="tx1">
                     <a:tint val="75000"/>
@@ -1007,9 +1007,9 @@
                 </a:solidFill>
               </a:defRPr>
             </a:lvl7pPr>
-            <a:lvl8pPr marL="3200400" indent="0">
-              <a:buNone/>
-              <a:defRPr sz="1400">
+            <a:lvl8pPr marL="1655627" indent="0">
+              <a:buNone/>
+              <a:defRPr sz="700">
                 <a:solidFill>
                   <a:schemeClr val="tx1">
                     <a:tint val="75000"/>
@@ -1017,9 +1017,9 @@
                 </a:solidFill>
               </a:defRPr>
             </a:lvl8pPr>
-            <a:lvl9pPr marL="3657600" indent="0">
-              <a:buNone/>
-              <a:defRPr sz="1400">
+            <a:lvl9pPr marL="1892146" indent="0">
+              <a:buNone/>
+              <a:defRPr sz="700">
                 <a:solidFill>
                   <a:schemeClr val="tx1">
                     <a:tint val="75000"/>
@@ -1054,7 +1054,7 @@
           <a:p>
             <a:fld id="{2748552A-4B83-4274-B632-6B19794066D7}" type="datetimeFigureOut">
               <a:rPr lang="es-ES" smtClean="0"/>
-              <a:t>13/05/2015</a:t>
+              <a:t>03/07/2015</a:t>
             </a:fld>
             <a:endParaRPr lang="es-ES"/>
           </a:p>
@@ -1167,39 +1167,39 @@
         </p:nvSpPr>
         <p:spPr>
           <a:xfrm>
-            <a:off x="457200" y="1600200"/>
-            <a:ext cx="4038600" cy="4525963"/>
+            <a:off x="126048" y="840106"/>
+            <a:ext cx="1113420" cy="2376131"/>
           </a:xfrm>
         </p:spPr>
         <p:txBody>
           <a:bodyPr/>
           <a:lstStyle>
             <a:lvl1pPr>
-              <a:defRPr sz="2800"/>
+              <a:defRPr sz="1500"/>
             </a:lvl1pPr>
             <a:lvl2pPr>
-              <a:defRPr sz="2400"/>
+              <a:defRPr sz="1300"/>
             </a:lvl2pPr>
             <a:lvl3pPr>
-              <a:defRPr sz="2000"/>
+              <a:defRPr sz="1000"/>
             </a:lvl3pPr>
             <a:lvl4pPr>
-              <a:defRPr sz="1800"/>
+              <a:defRPr sz="900"/>
             </a:lvl4pPr>
             <a:lvl5pPr>
-              <a:defRPr sz="1800"/>
+              <a:defRPr sz="900"/>
             </a:lvl5pPr>
             <a:lvl6pPr>
-              <a:defRPr sz="1800"/>
+              <a:defRPr sz="900"/>
             </a:lvl6pPr>
             <a:lvl7pPr>
-              <a:defRPr sz="1800"/>
+              <a:defRPr sz="900"/>
             </a:lvl7pPr>
             <a:lvl8pPr>
-              <a:defRPr sz="1800"/>
+              <a:defRPr sz="900"/>
             </a:lvl8pPr>
             <a:lvl9pPr>
-              <a:defRPr sz="1800"/>
+              <a:defRPr sz="900"/>
             </a:lvl9pPr>
           </a:lstStyle>
           <a:p>
@@ -1252,39 +1252,39 @@
         </p:nvSpPr>
         <p:spPr>
           <a:xfrm>
-            <a:off x="4648200" y="1600200"/>
-            <a:ext cx="4038600" cy="4525963"/>
+            <a:off x="1281483" y="840106"/>
+            <a:ext cx="1113420" cy="2376131"/>
           </a:xfrm>
         </p:spPr>
         <p:txBody>
           <a:bodyPr/>
           <a:lstStyle>
             <a:lvl1pPr>
-              <a:defRPr sz="2800"/>
+              <a:defRPr sz="1500"/>
             </a:lvl1pPr>
             <a:lvl2pPr>
-              <a:defRPr sz="2400"/>
+              <a:defRPr sz="1300"/>
             </a:lvl2pPr>
             <a:lvl3pPr>
-              <a:defRPr sz="2000"/>
+              <a:defRPr sz="1000"/>
             </a:lvl3pPr>
             <a:lvl4pPr>
-              <a:defRPr sz="1800"/>
+              <a:defRPr sz="900"/>
             </a:lvl4pPr>
             <a:lvl5pPr>
-              <a:defRPr sz="1800"/>
+              <a:defRPr sz="900"/>
             </a:lvl5pPr>
             <a:lvl6pPr>
-              <a:defRPr sz="1800"/>
+              <a:defRPr sz="900"/>
             </a:lvl6pPr>
             <a:lvl7pPr>
-              <a:defRPr sz="1800"/>
+              <a:defRPr sz="900"/>
             </a:lvl7pPr>
             <a:lvl8pPr>
-              <a:defRPr sz="1800"/>
+              <a:defRPr sz="900"/>
             </a:lvl8pPr>
             <a:lvl9pPr>
-              <a:defRPr sz="1800"/>
+              <a:defRPr sz="900"/>
             </a:lvl9pPr>
           </a:lstStyle>
           <a:p>
@@ -1342,7 +1342,7 @@
           <a:p>
             <a:fld id="{2748552A-4B83-4274-B632-6B19794066D7}" type="datetimeFigureOut">
               <a:rPr lang="es-ES" smtClean="0"/>
-              <a:t>13/05/2015</a:t>
+              <a:t>03/07/2015</a:t>
             </a:fld>
             <a:endParaRPr lang="es-ES"/>
           </a:p>
@@ -1459,8 +1459,8 @@
         </p:nvSpPr>
         <p:spPr>
           <a:xfrm>
-            <a:off x="457200" y="1535113"/>
-            <a:ext cx="4040188" cy="639762"/>
+            <a:off x="126048" y="805935"/>
+            <a:ext cx="1113858" cy="335875"/>
           </a:xfrm>
         </p:spPr>
         <p:txBody>
@@ -1468,39 +1468,39 @@
           <a:lstStyle>
             <a:lvl1pPr marL="0" indent="0">
               <a:buNone/>
-              <a:defRPr sz="2400" b="1"/>
+              <a:defRPr sz="1300" b="1"/>
             </a:lvl1pPr>
-            <a:lvl2pPr marL="457200" indent="0">
-              <a:buNone/>
-              <a:defRPr sz="2000" b="1"/>
+            <a:lvl2pPr marL="236518" indent="0">
+              <a:buNone/>
+              <a:defRPr sz="1000" b="1"/>
             </a:lvl2pPr>
-            <a:lvl3pPr marL="914400" indent="0">
-              <a:buNone/>
-              <a:defRPr sz="1800" b="1"/>
+            <a:lvl3pPr marL="473036" indent="0">
+              <a:buNone/>
+              <a:defRPr sz="900" b="1"/>
             </a:lvl3pPr>
-            <a:lvl4pPr marL="1371600" indent="0">
-              <a:buNone/>
-              <a:defRPr sz="1600" b="1"/>
+            <a:lvl4pPr marL="709555" indent="0">
+              <a:buNone/>
+              <a:defRPr sz="800" b="1"/>
             </a:lvl4pPr>
-            <a:lvl5pPr marL="1828800" indent="0">
-              <a:buNone/>
-              <a:defRPr sz="1600" b="1"/>
+            <a:lvl5pPr marL="946073" indent="0">
+              <a:buNone/>
+              <a:defRPr sz="800" b="1"/>
             </a:lvl5pPr>
-            <a:lvl6pPr marL="2286000" indent="0">
-              <a:buNone/>
-              <a:defRPr sz="1600" b="1"/>
+            <a:lvl6pPr marL="1182591" indent="0">
+              <a:buNone/>
+              <a:defRPr sz="800" b="1"/>
             </a:lvl6pPr>
-            <a:lvl7pPr marL="2743200" indent="0">
-              <a:buNone/>
-              <a:defRPr sz="1600" b="1"/>
+            <a:lvl7pPr marL="1419109" indent="0">
+              <a:buNone/>
+              <a:defRPr sz="800" b="1"/>
             </a:lvl7pPr>
-            <a:lvl8pPr marL="3200400" indent="0">
-              <a:buNone/>
-              <a:defRPr sz="1600" b="1"/>
+            <a:lvl8pPr marL="1655627" indent="0">
+              <a:buNone/>
+              <a:defRPr sz="800" b="1"/>
             </a:lvl8pPr>
-            <a:lvl9pPr marL="3657600" indent="0">
-              <a:buNone/>
-              <a:defRPr sz="1600" b="1"/>
+            <a:lvl9pPr marL="1892146" indent="0">
+              <a:buNone/>
+              <a:defRPr sz="800" b="1"/>
             </a:lvl9pPr>
           </a:lstStyle>
           <a:p>
@@ -1524,39 +1524,39 @@
         </p:nvSpPr>
         <p:spPr>
           <a:xfrm>
-            <a:off x="457200" y="2174875"/>
-            <a:ext cx="4040188" cy="3951288"/>
+            <a:off x="126048" y="1141811"/>
+            <a:ext cx="1113858" cy="2074426"/>
           </a:xfrm>
         </p:spPr>
         <p:txBody>
           <a:bodyPr/>
           <a:lstStyle>
             <a:lvl1pPr>
-              <a:defRPr sz="2400"/>
+              <a:defRPr sz="1300"/>
             </a:lvl1pPr>
             <a:lvl2pPr>
-              <a:defRPr sz="2000"/>
+              <a:defRPr sz="1000"/>
             </a:lvl2pPr>
             <a:lvl3pPr>
-              <a:defRPr sz="1800"/>
+              <a:defRPr sz="900"/>
             </a:lvl3pPr>
             <a:lvl4pPr>
-              <a:defRPr sz="1600"/>
+              <a:defRPr sz="800"/>
             </a:lvl4pPr>
             <a:lvl5pPr>
-              <a:defRPr sz="1600"/>
+              <a:defRPr sz="800"/>
             </a:lvl5pPr>
             <a:lvl6pPr>
-              <a:defRPr sz="1600"/>
+              <a:defRPr sz="800"/>
             </a:lvl6pPr>
             <a:lvl7pPr>
-              <a:defRPr sz="1600"/>
+              <a:defRPr sz="800"/>
             </a:lvl7pPr>
             <a:lvl8pPr>
-              <a:defRPr sz="1600"/>
+              <a:defRPr sz="800"/>
             </a:lvl8pPr>
             <a:lvl9pPr>
-              <a:defRPr sz="1600"/>
+              <a:defRPr sz="800"/>
             </a:lvl9pPr>
           </a:lstStyle>
           <a:p>
@@ -1609,8 +1609,8 @@
         </p:nvSpPr>
         <p:spPr>
           <a:xfrm>
-            <a:off x="4645025" y="1535113"/>
-            <a:ext cx="4041775" cy="639762"/>
+            <a:off x="1280608" y="805935"/>
+            <a:ext cx="1114295" cy="335875"/>
           </a:xfrm>
         </p:spPr>
         <p:txBody>
@@ -1618,39 +1618,39 @@
           <a:lstStyle>
             <a:lvl1pPr marL="0" indent="0">
               <a:buNone/>
-              <a:defRPr sz="2400" b="1"/>
+              <a:defRPr sz="1300" b="1"/>
             </a:lvl1pPr>
-            <a:lvl2pPr marL="457200" indent="0">
-              <a:buNone/>
-              <a:defRPr sz="2000" b="1"/>
+            <a:lvl2pPr marL="236518" indent="0">
+              <a:buNone/>
+              <a:defRPr sz="1000" b="1"/>
             </a:lvl2pPr>
-            <a:lvl3pPr marL="914400" indent="0">
-              <a:buNone/>
-              <a:defRPr sz="1800" b="1"/>
+            <a:lvl3pPr marL="473036" indent="0">
+              <a:buNone/>
+              <a:defRPr sz="900" b="1"/>
             </a:lvl3pPr>
-            <a:lvl4pPr marL="1371600" indent="0">
-              <a:buNone/>
-              <a:defRPr sz="1600" b="1"/>
+            <a:lvl4pPr marL="709555" indent="0">
+              <a:buNone/>
+              <a:defRPr sz="800" b="1"/>
             </a:lvl4pPr>
-            <a:lvl5pPr marL="1828800" indent="0">
-              <a:buNone/>
-              <a:defRPr sz="1600" b="1"/>
+            <a:lvl5pPr marL="946073" indent="0">
+              <a:buNone/>
+              <a:defRPr sz="800" b="1"/>
             </a:lvl5pPr>
-            <a:lvl6pPr marL="2286000" indent="0">
-              <a:buNone/>
-              <a:defRPr sz="1600" b="1"/>
+            <a:lvl6pPr marL="1182591" indent="0">
+              <a:buNone/>
+              <a:defRPr sz="800" b="1"/>
             </a:lvl6pPr>
-            <a:lvl7pPr marL="2743200" indent="0">
-              <a:buNone/>
-              <a:defRPr sz="1600" b="1"/>
+            <a:lvl7pPr marL="1419109" indent="0">
+              <a:buNone/>
+              <a:defRPr sz="800" b="1"/>
             </a:lvl7pPr>
-            <a:lvl8pPr marL="3200400" indent="0">
-              <a:buNone/>
-              <a:defRPr sz="1600" b="1"/>
+            <a:lvl8pPr marL="1655627" indent="0">
+              <a:buNone/>
+              <a:defRPr sz="800" b="1"/>
             </a:lvl8pPr>
-            <a:lvl9pPr marL="3657600" indent="0">
-              <a:buNone/>
-              <a:defRPr sz="1600" b="1"/>
+            <a:lvl9pPr marL="1892146" indent="0">
+              <a:buNone/>
+              <a:defRPr sz="800" b="1"/>
             </a:lvl9pPr>
           </a:lstStyle>
           <a:p>
@@ -1674,39 +1674,39 @@
         </p:nvSpPr>
         <p:spPr>
           <a:xfrm>
-            <a:off x="4645025" y="2174875"/>
-            <a:ext cx="4041775" cy="3951288"/>
+            <a:off x="1280608" y="1141811"/>
+            <a:ext cx="1114295" cy="2074426"/>
           </a:xfrm>
         </p:spPr>
         <p:txBody>
           <a:bodyPr/>
           <a:lstStyle>
             <a:lvl1pPr>
-              <a:defRPr sz="2400"/>
+              <a:defRPr sz="1300"/>
             </a:lvl1pPr>
             <a:lvl2pPr>
-              <a:defRPr sz="2000"/>
+              <a:defRPr sz="1000"/>
             </a:lvl2pPr>
             <a:lvl3pPr>
-              <a:defRPr sz="1800"/>
+              <a:defRPr sz="900"/>
             </a:lvl3pPr>
             <a:lvl4pPr>
-              <a:defRPr sz="1600"/>
+              <a:defRPr sz="800"/>
             </a:lvl4pPr>
             <a:lvl5pPr>
-              <a:defRPr sz="1600"/>
+              <a:defRPr sz="800"/>
             </a:lvl5pPr>
             <a:lvl6pPr>
-              <a:defRPr sz="1600"/>
+              <a:defRPr sz="800"/>
             </a:lvl6pPr>
             <a:lvl7pPr>
-              <a:defRPr sz="1600"/>
+              <a:defRPr sz="800"/>
             </a:lvl7pPr>
             <a:lvl8pPr>
-              <a:defRPr sz="1600"/>
+              <a:defRPr sz="800"/>
             </a:lvl8pPr>
             <a:lvl9pPr>
-              <a:defRPr sz="1600"/>
+              <a:defRPr sz="800"/>
             </a:lvl9pPr>
           </a:lstStyle>
           <a:p>
@@ -1764,7 +1764,7 @@
           <a:p>
             <a:fld id="{2748552A-4B83-4274-B632-6B19794066D7}" type="datetimeFigureOut">
               <a:rPr lang="es-ES" smtClean="0"/>
-              <a:t>13/05/2015</a:t>
+              <a:t>03/07/2015</a:t>
             </a:fld>
             <a:endParaRPr lang="es-ES"/>
           </a:p>
@@ -1882,7 +1882,7 @@
           <a:p>
             <a:fld id="{2748552A-4B83-4274-B632-6B19794066D7}" type="datetimeFigureOut">
               <a:rPr lang="es-ES" smtClean="0"/>
-              <a:t>13/05/2015</a:t>
+              <a:t>03/07/2015</a:t>
             </a:fld>
             <a:endParaRPr lang="es-ES"/>
           </a:p>
@@ -1977,7 +1977,7 @@
           <a:p>
             <a:fld id="{2748552A-4B83-4274-B632-6B19794066D7}" type="datetimeFigureOut">
               <a:rPr lang="es-ES" smtClean="0"/>
-              <a:t>13/05/2015</a:t>
+              <a:t>03/07/2015</a:t>
             </a:fld>
             <a:endParaRPr lang="es-ES"/>
           </a:p>
@@ -2067,15 +2067,15 @@
         </p:nvSpPr>
         <p:spPr>
           <a:xfrm>
-            <a:off x="457200" y="273050"/>
-            <a:ext cx="3008313" cy="1162050"/>
+            <a:off x="126049" y="143352"/>
+            <a:ext cx="829375" cy="610076"/>
           </a:xfrm>
         </p:spPr>
         <p:txBody>
           <a:bodyPr anchor="b"/>
           <a:lstStyle>
             <a:lvl1pPr algn="l">
-              <a:defRPr sz="2000" b="1"/>
+              <a:defRPr sz="1000" b="1"/>
             </a:lvl1pPr>
           </a:lstStyle>
           <a:p>
@@ -2099,39 +2099,39 @@
         </p:nvSpPr>
         <p:spPr>
           <a:xfrm>
-            <a:off x="3575050" y="273050"/>
-            <a:ext cx="5111750" cy="5853113"/>
+            <a:off x="985622" y="143353"/>
+            <a:ext cx="1409281" cy="3072884"/>
           </a:xfrm>
         </p:spPr>
         <p:txBody>
           <a:bodyPr/>
           <a:lstStyle>
             <a:lvl1pPr>
-              <a:defRPr sz="3200"/>
+              <a:defRPr sz="1700"/>
             </a:lvl1pPr>
             <a:lvl2pPr>
-              <a:defRPr sz="2800"/>
+              <a:defRPr sz="1500"/>
             </a:lvl2pPr>
             <a:lvl3pPr>
-              <a:defRPr sz="2400"/>
+              <a:defRPr sz="1300"/>
             </a:lvl3pPr>
             <a:lvl4pPr>
-              <a:defRPr sz="2000"/>
+              <a:defRPr sz="1000"/>
             </a:lvl4pPr>
             <a:lvl5pPr>
-              <a:defRPr sz="2000"/>
+              <a:defRPr sz="1000"/>
             </a:lvl5pPr>
             <a:lvl6pPr>
-              <a:defRPr sz="2000"/>
+              <a:defRPr sz="1000"/>
             </a:lvl6pPr>
             <a:lvl7pPr>
-              <a:defRPr sz="2000"/>
+              <a:defRPr sz="1000"/>
             </a:lvl7pPr>
             <a:lvl8pPr>
-              <a:defRPr sz="2000"/>
+              <a:defRPr sz="1000"/>
             </a:lvl8pPr>
             <a:lvl9pPr>
-              <a:defRPr sz="2000"/>
+              <a:defRPr sz="1000"/>
             </a:lvl9pPr>
           </a:lstStyle>
           <a:p>
@@ -2184,8 +2184,8 @@
         </p:nvSpPr>
         <p:spPr>
           <a:xfrm>
-            <a:off x="457200" y="1435100"/>
-            <a:ext cx="3008313" cy="4691063"/>
+            <a:off x="126049" y="753428"/>
+            <a:ext cx="829375" cy="2462808"/>
           </a:xfrm>
         </p:spPr>
         <p:txBody>
@@ -2193,39 +2193,39 @@
           <a:lstStyle>
             <a:lvl1pPr marL="0" indent="0">
               <a:buNone/>
-              <a:defRPr sz="1400"/>
+              <a:defRPr sz="700"/>
             </a:lvl1pPr>
-            <a:lvl2pPr marL="457200" indent="0">
-              <a:buNone/>
-              <a:defRPr sz="1200"/>
+            <a:lvl2pPr marL="236518" indent="0">
+              <a:buNone/>
+              <a:defRPr sz="600"/>
             </a:lvl2pPr>
-            <a:lvl3pPr marL="914400" indent="0">
-              <a:buNone/>
-              <a:defRPr sz="1000"/>
+            <a:lvl3pPr marL="473036" indent="0">
+              <a:buNone/>
+              <a:defRPr sz="600"/>
             </a:lvl3pPr>
-            <a:lvl4pPr marL="1371600" indent="0">
-              <a:buNone/>
-              <a:defRPr sz="900"/>
+            <a:lvl4pPr marL="709555" indent="0">
+              <a:buNone/>
+              <a:defRPr sz="600"/>
             </a:lvl4pPr>
-            <a:lvl5pPr marL="1828800" indent="0">
-              <a:buNone/>
-              <a:defRPr sz="900"/>
+            <a:lvl5pPr marL="946073" indent="0">
+              <a:buNone/>
+              <a:defRPr sz="600"/>
             </a:lvl5pPr>
-            <a:lvl6pPr marL="2286000" indent="0">
-              <a:buNone/>
-              <a:defRPr sz="900"/>
+            <a:lvl6pPr marL="1182591" indent="0">
+              <a:buNone/>
+              <a:defRPr sz="600"/>
             </a:lvl6pPr>
-            <a:lvl7pPr marL="2743200" indent="0">
-              <a:buNone/>
-              <a:defRPr sz="900"/>
+            <a:lvl7pPr marL="1419109" indent="0">
+              <a:buNone/>
+              <a:defRPr sz="600"/>
             </a:lvl7pPr>
-            <a:lvl8pPr marL="3200400" indent="0">
-              <a:buNone/>
-              <a:defRPr sz="900"/>
+            <a:lvl8pPr marL="1655627" indent="0">
+              <a:buNone/>
+              <a:defRPr sz="600"/>
             </a:lvl8pPr>
-            <a:lvl9pPr marL="3657600" indent="0">
-              <a:buNone/>
-              <a:defRPr sz="900"/>
+            <a:lvl9pPr marL="1892146" indent="0">
+              <a:buNone/>
+              <a:defRPr sz="600"/>
             </a:lvl9pPr>
           </a:lstStyle>
           <a:p>
@@ -2254,7 +2254,7 @@
           <a:p>
             <a:fld id="{2748552A-4B83-4274-B632-6B19794066D7}" type="datetimeFigureOut">
               <a:rPr lang="es-ES" smtClean="0"/>
-              <a:t>13/05/2015</a:t>
+              <a:t>03/07/2015</a:t>
             </a:fld>
             <a:endParaRPr lang="es-ES"/>
           </a:p>
@@ -2344,15 +2344,15 @@
         </p:nvSpPr>
         <p:spPr>
           <a:xfrm>
-            <a:off x="1792288" y="4800600"/>
-            <a:ext cx="5486400" cy="566738"/>
+            <a:off x="494124" y="2520316"/>
+            <a:ext cx="1512570" cy="297538"/>
           </a:xfrm>
         </p:spPr>
         <p:txBody>
           <a:bodyPr anchor="b"/>
           <a:lstStyle>
             <a:lvl1pPr algn="l">
-              <a:defRPr sz="2000" b="1"/>
+              <a:defRPr sz="1000" b="1"/>
             </a:lvl1pPr>
           </a:lstStyle>
           <a:p>
@@ -2376,8 +2376,8 @@
         </p:nvSpPr>
         <p:spPr>
           <a:xfrm>
-            <a:off x="1792288" y="612775"/>
-            <a:ext cx="5486400" cy="4114800"/>
+            <a:off x="494124" y="321707"/>
+            <a:ext cx="1512570" cy="2160270"/>
           </a:xfrm>
         </p:spPr>
         <p:txBody>
@@ -2385,39 +2385,39 @@
           <a:lstStyle>
             <a:lvl1pPr marL="0" indent="0">
               <a:buNone/>
-              <a:defRPr sz="3200"/>
+              <a:defRPr sz="1700"/>
             </a:lvl1pPr>
-            <a:lvl2pPr marL="457200" indent="0">
-              <a:buNone/>
-              <a:defRPr sz="2800"/>
+            <a:lvl2pPr marL="236518" indent="0">
+              <a:buNone/>
+              <a:defRPr sz="1500"/>
             </a:lvl2pPr>
-            <a:lvl3pPr marL="914400" indent="0">
-              <a:buNone/>
-              <a:defRPr sz="2400"/>
+            <a:lvl3pPr marL="473036" indent="0">
+              <a:buNone/>
+              <a:defRPr sz="1300"/>
             </a:lvl3pPr>
-            <a:lvl4pPr marL="1371600" indent="0">
-              <a:buNone/>
-              <a:defRPr sz="2000"/>
+            <a:lvl4pPr marL="709555" indent="0">
+              <a:buNone/>
+              <a:defRPr sz="1000"/>
             </a:lvl4pPr>
-            <a:lvl5pPr marL="1828800" indent="0">
-              <a:buNone/>
-              <a:defRPr sz="2000"/>
+            <a:lvl5pPr marL="946073" indent="0">
+              <a:buNone/>
+              <a:defRPr sz="1000"/>
             </a:lvl5pPr>
-            <a:lvl6pPr marL="2286000" indent="0">
-              <a:buNone/>
-              <a:defRPr sz="2000"/>
+            <a:lvl6pPr marL="1182591" indent="0">
+              <a:buNone/>
+              <a:defRPr sz="1000"/>
             </a:lvl6pPr>
-            <a:lvl7pPr marL="2743200" indent="0">
-              <a:buNone/>
-              <a:defRPr sz="2000"/>
+            <a:lvl7pPr marL="1419109" indent="0">
+              <a:buNone/>
+              <a:defRPr sz="1000"/>
             </a:lvl7pPr>
-            <a:lvl8pPr marL="3200400" indent="0">
-              <a:buNone/>
-              <a:defRPr sz="2000"/>
+            <a:lvl8pPr marL="1655627" indent="0">
+              <a:buNone/>
+              <a:defRPr sz="1000"/>
             </a:lvl8pPr>
-            <a:lvl9pPr marL="3657600" indent="0">
-              <a:buNone/>
-              <a:defRPr sz="2000"/>
+            <a:lvl9pPr marL="1892146" indent="0">
+              <a:buNone/>
+              <a:defRPr sz="1000"/>
             </a:lvl9pPr>
           </a:lstStyle>
           <a:p>
@@ -2437,8 +2437,8 @@
         </p:nvSpPr>
         <p:spPr>
           <a:xfrm>
-            <a:off x="1792288" y="5367338"/>
-            <a:ext cx="5486400" cy="804862"/>
+            <a:off x="494124" y="2817853"/>
+            <a:ext cx="1512570" cy="422553"/>
           </a:xfrm>
         </p:spPr>
         <p:txBody>
@@ -2446,39 +2446,39 @@
           <a:lstStyle>
             <a:lvl1pPr marL="0" indent="0">
               <a:buNone/>
-              <a:defRPr sz="1400"/>
+              <a:defRPr sz="700"/>
             </a:lvl1pPr>
-            <a:lvl2pPr marL="457200" indent="0">
-              <a:buNone/>
-              <a:defRPr sz="1200"/>
+            <a:lvl2pPr marL="236518" indent="0">
+              <a:buNone/>
+              <a:defRPr sz="600"/>
             </a:lvl2pPr>
-            <a:lvl3pPr marL="914400" indent="0">
-              <a:buNone/>
-              <a:defRPr sz="1000"/>
+            <a:lvl3pPr marL="473036" indent="0">
+              <a:buNone/>
+              <a:defRPr sz="600"/>
             </a:lvl3pPr>
-            <a:lvl4pPr marL="1371600" indent="0">
-              <a:buNone/>
-              <a:defRPr sz="900"/>
+            <a:lvl4pPr marL="709555" indent="0">
+              <a:buNone/>
+              <a:defRPr sz="600"/>
             </a:lvl4pPr>
-            <a:lvl5pPr marL="1828800" indent="0">
-              <a:buNone/>
-              <a:defRPr sz="900"/>
+            <a:lvl5pPr marL="946073" indent="0">
+              <a:buNone/>
+              <a:defRPr sz="600"/>
             </a:lvl5pPr>
-            <a:lvl6pPr marL="2286000" indent="0">
-              <a:buNone/>
-              <a:defRPr sz="900"/>
+            <a:lvl6pPr marL="1182591" indent="0">
+              <a:buNone/>
+              <a:defRPr sz="600"/>
             </a:lvl6pPr>
-            <a:lvl7pPr marL="2743200" indent="0">
-              <a:buNone/>
-              <a:defRPr sz="900"/>
+            <a:lvl7pPr marL="1419109" indent="0">
+              <a:buNone/>
+              <a:defRPr sz="600"/>
             </a:lvl7pPr>
-            <a:lvl8pPr marL="3200400" indent="0">
-              <a:buNone/>
-              <a:defRPr sz="900"/>
+            <a:lvl8pPr marL="1655627" indent="0">
+              <a:buNone/>
+              <a:defRPr sz="600"/>
             </a:lvl8pPr>
-            <a:lvl9pPr marL="3657600" indent="0">
-              <a:buNone/>
-              <a:defRPr sz="900"/>
+            <a:lvl9pPr marL="1892146" indent="0">
+              <a:buNone/>
+              <a:defRPr sz="600"/>
             </a:lvl9pPr>
           </a:lstStyle>
           <a:p>
@@ -2507,7 +2507,7 @@
           <a:p>
             <a:fld id="{2748552A-4B83-4274-B632-6B19794066D7}" type="datetimeFigureOut">
               <a:rPr lang="es-ES" smtClean="0"/>
-              <a:t>13/05/2015</a:t>
+              <a:t>03/07/2015</a:t>
             </a:fld>
             <a:endParaRPr lang="es-ES"/>
           </a:p>
@@ -2602,15 +2602,15 @@
         </p:nvSpPr>
         <p:spPr>
           <a:xfrm>
-            <a:off x="457200" y="274638"/>
-            <a:ext cx="8229600" cy="1143000"/>
+            <a:off x="126048" y="144187"/>
+            <a:ext cx="2268855" cy="600075"/>
           </a:xfrm>
           <a:prstGeom prst="rect">
             <a:avLst/>
           </a:prstGeom>
         </p:spPr>
         <p:txBody>
-          <a:bodyPr vert="horz" lIns="91440" tIns="45720" rIns="91440" bIns="45720" rtlCol="0" anchor="ctr">
+          <a:bodyPr vert="horz" lIns="47304" tIns="23652" rIns="47304" bIns="23652" rtlCol="0" anchor="ctr">
             <a:normAutofit/>
           </a:bodyPr>
           <a:lstStyle/>
@@ -2635,15 +2635,15 @@
         </p:nvSpPr>
         <p:spPr>
           <a:xfrm>
-            <a:off x="457200" y="1600200"/>
-            <a:ext cx="8229600" cy="4525963"/>
+            <a:off x="126048" y="840106"/>
+            <a:ext cx="2268855" cy="2376131"/>
           </a:xfrm>
           <a:prstGeom prst="rect">
             <a:avLst/>
           </a:prstGeom>
         </p:spPr>
         <p:txBody>
-          <a:bodyPr vert="horz" lIns="91440" tIns="45720" rIns="91440" bIns="45720" rtlCol="0">
+          <a:bodyPr vert="horz" lIns="47304" tIns="23652" rIns="47304" bIns="23652" rtlCol="0">
             <a:normAutofit/>
           </a:bodyPr>
           <a:lstStyle/>
@@ -2697,18 +2697,18 @@
         </p:nvSpPr>
         <p:spPr>
           <a:xfrm>
-            <a:off x="457200" y="6356350"/>
-            <a:ext cx="2133600" cy="365125"/>
+            <a:off x="126048" y="3337085"/>
+            <a:ext cx="588221" cy="191691"/>
           </a:xfrm>
           <a:prstGeom prst="rect">
             <a:avLst/>
           </a:prstGeom>
         </p:spPr>
         <p:txBody>
-          <a:bodyPr vert="horz" lIns="91440" tIns="45720" rIns="91440" bIns="45720" rtlCol="0" anchor="ctr"/>
+          <a:bodyPr vert="horz" lIns="47304" tIns="23652" rIns="47304" bIns="23652" rtlCol="0" anchor="ctr"/>
           <a:lstStyle>
             <a:lvl1pPr algn="l">
-              <a:defRPr sz="1200">
+              <a:defRPr sz="600">
                 <a:solidFill>
                   <a:schemeClr val="tx1">
                     <a:tint val="75000"/>
@@ -2720,7 +2720,7 @@
           <a:p>
             <a:fld id="{2748552A-4B83-4274-B632-6B19794066D7}" type="datetimeFigureOut">
               <a:rPr lang="es-ES" smtClean="0"/>
-              <a:t>13/05/2015</a:t>
+              <a:t>03/07/2015</a:t>
             </a:fld>
             <a:endParaRPr lang="es-ES"/>
           </a:p>
@@ -2738,18 +2738,18 @@
         </p:nvSpPr>
         <p:spPr>
           <a:xfrm>
-            <a:off x="3124200" y="6356350"/>
-            <a:ext cx="2895600" cy="365125"/>
+            <a:off x="861326" y="3337085"/>
+            <a:ext cx="798300" cy="191691"/>
           </a:xfrm>
           <a:prstGeom prst="rect">
             <a:avLst/>
           </a:prstGeom>
         </p:spPr>
         <p:txBody>
-          <a:bodyPr vert="horz" lIns="91440" tIns="45720" rIns="91440" bIns="45720" rtlCol="0" anchor="ctr"/>
+          <a:bodyPr vert="horz" lIns="47304" tIns="23652" rIns="47304" bIns="23652" rtlCol="0" anchor="ctr"/>
           <a:lstStyle>
             <a:lvl1pPr algn="ctr">
-              <a:defRPr sz="1200">
+              <a:defRPr sz="600">
                 <a:solidFill>
                   <a:schemeClr val="tx1">
                     <a:tint val="75000"/>
@@ -2775,18 +2775,18 @@
         </p:nvSpPr>
         <p:spPr>
           <a:xfrm>
-            <a:off x="6553200" y="6356350"/>
-            <a:ext cx="2133600" cy="365125"/>
+            <a:off x="1806682" y="3337085"/>
+            <a:ext cx="588221" cy="191691"/>
           </a:xfrm>
           <a:prstGeom prst="rect">
             <a:avLst/>
           </a:prstGeom>
         </p:spPr>
         <p:txBody>
-          <a:bodyPr vert="horz" lIns="91440" tIns="45720" rIns="91440" bIns="45720" rtlCol="0" anchor="ctr"/>
+          <a:bodyPr vert="horz" lIns="47304" tIns="23652" rIns="47304" bIns="23652" rtlCol="0" anchor="ctr"/>
           <a:lstStyle>
             <a:lvl1pPr algn="r">
-              <a:defRPr sz="1200">
+              <a:defRPr sz="600">
                 <a:solidFill>
                   <a:schemeClr val="tx1">
                     <a:tint val="75000"/>
@@ -2827,12 +2827,12 @@
   </p:sldLayoutIdLst>
   <p:txStyles>
     <p:titleStyle>
-      <a:lvl1pPr algn="ctr" defTabSz="914400" rtl="0" eaLnBrk="1" latinLnBrk="0" hangingPunct="1">
+      <a:lvl1pPr algn="ctr" defTabSz="473036" rtl="0" eaLnBrk="1" latinLnBrk="0" hangingPunct="1">
         <a:spcBef>
           <a:spcPct val="0"/>
         </a:spcBef>
         <a:buNone/>
-        <a:defRPr sz="4400" kern="1200">
+        <a:defRPr sz="2300" kern="1200">
           <a:solidFill>
             <a:schemeClr val="tx1"/>
           </a:solidFill>
@@ -2843,13 +2843,13 @@
       </a:lvl1pPr>
     </p:titleStyle>
     <p:bodyStyle>
-      <a:lvl1pPr marL="342900" indent="-342900" algn="l" defTabSz="914400" rtl="0" eaLnBrk="1" latinLnBrk="0" hangingPunct="1">
+      <a:lvl1pPr marL="177389" indent="-177389" algn="l" defTabSz="473036" rtl="0" eaLnBrk="1" latinLnBrk="0" hangingPunct="1">
         <a:spcBef>
           <a:spcPct val="20000"/>
         </a:spcBef>
         <a:buFont typeface="Arial" pitchFamily="34" charset="0"/>
         <a:buChar char="•"/>
-        <a:defRPr sz="3200" kern="1200">
+        <a:defRPr sz="1700" kern="1200">
           <a:solidFill>
             <a:schemeClr val="tx1"/>
           </a:solidFill>
@@ -2858,13 +2858,13 @@
           <a:cs typeface="+mn-cs"/>
         </a:defRPr>
       </a:lvl1pPr>
-      <a:lvl2pPr marL="742950" indent="-285750" algn="l" defTabSz="914400" rtl="0" eaLnBrk="1" latinLnBrk="0" hangingPunct="1">
+      <a:lvl2pPr marL="384342" indent="-147824" algn="l" defTabSz="473036" rtl="0" eaLnBrk="1" latinLnBrk="0" hangingPunct="1">
         <a:spcBef>
           <a:spcPct val="20000"/>
         </a:spcBef>
         <a:buFont typeface="Arial" pitchFamily="34" charset="0"/>
         <a:buChar char="–"/>
-        <a:defRPr sz="2800" kern="1200">
+        <a:defRPr sz="1500" kern="1200">
           <a:solidFill>
             <a:schemeClr val="tx1"/>
           </a:solidFill>
@@ -2873,13 +2873,13 @@
           <a:cs typeface="+mn-cs"/>
         </a:defRPr>
       </a:lvl2pPr>
-      <a:lvl3pPr marL="1143000" indent="-228600" algn="l" defTabSz="914400" rtl="0" eaLnBrk="1" latinLnBrk="0" hangingPunct="1">
+      <a:lvl3pPr marL="591296" indent="-118259" algn="l" defTabSz="473036" rtl="0" eaLnBrk="1" latinLnBrk="0" hangingPunct="1">
         <a:spcBef>
           <a:spcPct val="20000"/>
         </a:spcBef>
         <a:buFont typeface="Arial" pitchFamily="34" charset="0"/>
         <a:buChar char="•"/>
-        <a:defRPr sz="2400" kern="1200">
+        <a:defRPr sz="1300" kern="1200">
           <a:solidFill>
             <a:schemeClr val="tx1"/>
           </a:solidFill>
@@ -2888,13 +2888,13 @@
           <a:cs typeface="+mn-cs"/>
         </a:defRPr>
       </a:lvl3pPr>
-      <a:lvl4pPr marL="1600200" indent="-228600" algn="l" defTabSz="914400" rtl="0" eaLnBrk="1" latinLnBrk="0" hangingPunct="1">
+      <a:lvl4pPr marL="827813" indent="-118259" algn="l" defTabSz="473036" rtl="0" eaLnBrk="1" latinLnBrk="0" hangingPunct="1">
         <a:spcBef>
           <a:spcPct val="20000"/>
         </a:spcBef>
         <a:buFont typeface="Arial" pitchFamily="34" charset="0"/>
         <a:buChar char="–"/>
-        <a:defRPr sz="2000" kern="1200">
+        <a:defRPr sz="1000" kern="1200">
           <a:solidFill>
             <a:schemeClr val="tx1"/>
           </a:solidFill>
@@ -2903,13 +2903,13 @@
           <a:cs typeface="+mn-cs"/>
         </a:defRPr>
       </a:lvl4pPr>
-      <a:lvl5pPr marL="2057400" indent="-228600" algn="l" defTabSz="914400" rtl="0" eaLnBrk="1" latinLnBrk="0" hangingPunct="1">
+      <a:lvl5pPr marL="1064331" indent="-118259" algn="l" defTabSz="473036" rtl="0" eaLnBrk="1" latinLnBrk="0" hangingPunct="1">
         <a:spcBef>
           <a:spcPct val="20000"/>
         </a:spcBef>
         <a:buFont typeface="Arial" pitchFamily="34" charset="0"/>
         <a:buChar char="»"/>
-        <a:defRPr sz="2000" kern="1200">
+        <a:defRPr sz="1000" kern="1200">
           <a:solidFill>
             <a:schemeClr val="tx1"/>
           </a:solidFill>
@@ -2918,13 +2918,13 @@
           <a:cs typeface="+mn-cs"/>
         </a:defRPr>
       </a:lvl5pPr>
-      <a:lvl6pPr marL="2514600" indent="-228600" algn="l" defTabSz="914400" rtl="0" eaLnBrk="1" latinLnBrk="0" hangingPunct="1">
+      <a:lvl6pPr marL="1300851" indent="-118259" algn="l" defTabSz="473036" rtl="0" eaLnBrk="1" latinLnBrk="0" hangingPunct="1">
         <a:spcBef>
           <a:spcPct val="20000"/>
         </a:spcBef>
         <a:buFont typeface="Arial" pitchFamily="34" charset="0"/>
         <a:buChar char="•"/>
-        <a:defRPr sz="2000" kern="1200">
+        <a:defRPr sz="1000" kern="1200">
           <a:solidFill>
             <a:schemeClr val="tx1"/>
           </a:solidFill>
@@ -2933,13 +2933,13 @@
           <a:cs typeface="+mn-cs"/>
         </a:defRPr>
       </a:lvl6pPr>
-      <a:lvl7pPr marL="2971800" indent="-228600" algn="l" defTabSz="914400" rtl="0" eaLnBrk="1" latinLnBrk="0" hangingPunct="1">
+      <a:lvl7pPr marL="1537368" indent="-118259" algn="l" defTabSz="473036" rtl="0" eaLnBrk="1" latinLnBrk="0" hangingPunct="1">
         <a:spcBef>
           <a:spcPct val="20000"/>
         </a:spcBef>
         <a:buFont typeface="Arial" pitchFamily="34" charset="0"/>
         <a:buChar char="•"/>
-        <a:defRPr sz="2000" kern="1200">
+        <a:defRPr sz="1000" kern="1200">
           <a:solidFill>
             <a:schemeClr val="tx1"/>
           </a:solidFill>
@@ -2948,13 +2948,13 @@
           <a:cs typeface="+mn-cs"/>
         </a:defRPr>
       </a:lvl7pPr>
-      <a:lvl8pPr marL="3429000" indent="-228600" algn="l" defTabSz="914400" rtl="0" eaLnBrk="1" latinLnBrk="0" hangingPunct="1">
+      <a:lvl8pPr marL="1773885" indent="-118259" algn="l" defTabSz="473036" rtl="0" eaLnBrk="1" latinLnBrk="0" hangingPunct="1">
         <a:spcBef>
           <a:spcPct val="20000"/>
         </a:spcBef>
         <a:buFont typeface="Arial" pitchFamily="34" charset="0"/>
         <a:buChar char="•"/>
-        <a:defRPr sz="2000" kern="1200">
+        <a:defRPr sz="1000" kern="1200">
           <a:solidFill>
             <a:schemeClr val="tx1"/>
           </a:solidFill>
@@ -2963,13 +2963,13 @@
           <a:cs typeface="+mn-cs"/>
         </a:defRPr>
       </a:lvl8pPr>
-      <a:lvl9pPr marL="3886200" indent="-228600" algn="l" defTabSz="914400" rtl="0" eaLnBrk="1" latinLnBrk="0" hangingPunct="1">
+      <a:lvl9pPr marL="2010404" indent="-118259" algn="l" defTabSz="473036" rtl="0" eaLnBrk="1" latinLnBrk="0" hangingPunct="1">
         <a:spcBef>
           <a:spcPct val="20000"/>
         </a:spcBef>
         <a:buFont typeface="Arial" pitchFamily="34" charset="0"/>
         <a:buChar char="•"/>
-        <a:defRPr sz="2000" kern="1200">
+        <a:defRPr sz="1000" kern="1200">
           <a:solidFill>
             <a:schemeClr val="tx1"/>
           </a:solidFill>
@@ -2983,8 +2983,8 @@
       <a:defPPr>
         <a:defRPr lang="es-ES"/>
       </a:defPPr>
-      <a:lvl1pPr marL="0" algn="l" defTabSz="914400" rtl="0" eaLnBrk="1" latinLnBrk="0" hangingPunct="1">
-        <a:defRPr sz="1800" kern="1200">
+      <a:lvl1pPr marL="0" algn="l" defTabSz="473036" rtl="0" eaLnBrk="1" latinLnBrk="0" hangingPunct="1">
+        <a:defRPr sz="900" kern="1200">
           <a:solidFill>
             <a:schemeClr val="tx1"/>
           </a:solidFill>
@@ -2993,8 +2993,8 @@
           <a:cs typeface="+mn-cs"/>
         </a:defRPr>
       </a:lvl1pPr>
-      <a:lvl2pPr marL="457200" algn="l" defTabSz="914400" rtl="0" eaLnBrk="1" latinLnBrk="0" hangingPunct="1">
-        <a:defRPr sz="1800" kern="1200">
+      <a:lvl2pPr marL="236518" algn="l" defTabSz="473036" rtl="0" eaLnBrk="1" latinLnBrk="0" hangingPunct="1">
+        <a:defRPr sz="900" kern="1200">
           <a:solidFill>
             <a:schemeClr val="tx1"/>
           </a:solidFill>
@@ -3003,8 +3003,8 @@
           <a:cs typeface="+mn-cs"/>
         </a:defRPr>
       </a:lvl2pPr>
-      <a:lvl3pPr marL="914400" algn="l" defTabSz="914400" rtl="0" eaLnBrk="1" latinLnBrk="0" hangingPunct="1">
-        <a:defRPr sz="1800" kern="1200">
+      <a:lvl3pPr marL="473036" algn="l" defTabSz="473036" rtl="0" eaLnBrk="1" latinLnBrk="0" hangingPunct="1">
+        <a:defRPr sz="900" kern="1200">
           <a:solidFill>
             <a:schemeClr val="tx1"/>
           </a:solidFill>
@@ -3013,8 +3013,8 @@
           <a:cs typeface="+mn-cs"/>
         </a:defRPr>
       </a:lvl3pPr>
-      <a:lvl4pPr marL="1371600" algn="l" defTabSz="914400" rtl="0" eaLnBrk="1" latinLnBrk="0" hangingPunct="1">
-        <a:defRPr sz="1800" kern="1200">
+      <a:lvl4pPr marL="709555" algn="l" defTabSz="473036" rtl="0" eaLnBrk="1" latinLnBrk="0" hangingPunct="1">
+        <a:defRPr sz="900" kern="1200">
           <a:solidFill>
             <a:schemeClr val="tx1"/>
           </a:solidFill>
@@ -3023,8 +3023,8 @@
           <a:cs typeface="+mn-cs"/>
         </a:defRPr>
       </a:lvl4pPr>
-      <a:lvl5pPr marL="1828800" algn="l" defTabSz="914400" rtl="0" eaLnBrk="1" latinLnBrk="0" hangingPunct="1">
-        <a:defRPr sz="1800" kern="1200">
+      <a:lvl5pPr marL="946073" algn="l" defTabSz="473036" rtl="0" eaLnBrk="1" latinLnBrk="0" hangingPunct="1">
+        <a:defRPr sz="900" kern="1200">
           <a:solidFill>
             <a:schemeClr val="tx1"/>
           </a:solidFill>
@@ -3033,8 +3033,8 @@
           <a:cs typeface="+mn-cs"/>
         </a:defRPr>
       </a:lvl5pPr>
-      <a:lvl6pPr marL="2286000" algn="l" defTabSz="914400" rtl="0" eaLnBrk="1" latinLnBrk="0" hangingPunct="1">
-        <a:defRPr sz="1800" kern="1200">
+      <a:lvl6pPr marL="1182591" algn="l" defTabSz="473036" rtl="0" eaLnBrk="1" latinLnBrk="0" hangingPunct="1">
+        <a:defRPr sz="900" kern="1200">
           <a:solidFill>
             <a:schemeClr val="tx1"/>
           </a:solidFill>
@@ -3043,8 +3043,8 @@
           <a:cs typeface="+mn-cs"/>
         </a:defRPr>
       </a:lvl6pPr>
-      <a:lvl7pPr marL="2743200" algn="l" defTabSz="914400" rtl="0" eaLnBrk="1" latinLnBrk="0" hangingPunct="1">
-        <a:defRPr sz="1800" kern="1200">
+      <a:lvl7pPr marL="1419109" algn="l" defTabSz="473036" rtl="0" eaLnBrk="1" latinLnBrk="0" hangingPunct="1">
+        <a:defRPr sz="900" kern="1200">
           <a:solidFill>
             <a:schemeClr val="tx1"/>
           </a:solidFill>
@@ -3053,8 +3053,8 @@
           <a:cs typeface="+mn-cs"/>
         </a:defRPr>
       </a:lvl7pPr>
-      <a:lvl8pPr marL="3200400" algn="l" defTabSz="914400" rtl="0" eaLnBrk="1" latinLnBrk="0" hangingPunct="1">
-        <a:defRPr sz="1800" kern="1200">
+      <a:lvl8pPr marL="1655627" algn="l" defTabSz="473036" rtl="0" eaLnBrk="1" latinLnBrk="0" hangingPunct="1">
+        <a:defRPr sz="900" kern="1200">
           <a:solidFill>
             <a:schemeClr val="tx1"/>
           </a:solidFill>
@@ -3063,8 +3063,8 @@
           <a:cs typeface="+mn-cs"/>
         </a:defRPr>
       </a:lvl8pPr>
-      <a:lvl9pPr marL="3657600" algn="l" defTabSz="914400" rtl="0" eaLnBrk="1" latinLnBrk="0" hangingPunct="1">
-        <a:defRPr sz="1800" kern="1200">
+      <a:lvl9pPr marL="1892146" algn="l" defTabSz="473036" rtl="0" eaLnBrk="1" latinLnBrk="0" hangingPunct="1">
+        <a:defRPr sz="900" kern="1200">
           <a:solidFill>
             <a:schemeClr val="tx1"/>
           </a:solidFill>
@@ -3097,13 +3097,13 @@
       </p:grpSpPr>
       <p:cxnSp>
         <p:nvCxnSpPr>
-          <p:cNvPr id="7" name="6 Conector recto de flecha"/>
+          <p:cNvPr id="31" name="30 Conector recto de flecha"/>
           <p:cNvCxnSpPr/>
           <p:nvPr/>
         </p:nvCxnSpPr>
         <p:spPr>
-          <a:xfrm flipH="1">
-            <a:off x="2339752" y="3284984"/>
+          <a:xfrm>
+            <a:off x="468387" y="1379994"/>
             <a:ext cx="1800200" cy="0"/>
           </a:xfrm>
           <a:prstGeom prst="straightConnector1">
@@ -3130,14 +3130,14 @@
       </p:cxnSp>
       <p:cxnSp>
         <p:nvCxnSpPr>
-          <p:cNvPr id="9" name="8 Conector recto de flecha"/>
+          <p:cNvPr id="32" name="31 Conector recto de flecha"/>
           <p:cNvCxnSpPr/>
           <p:nvPr/>
         </p:nvCxnSpPr>
         <p:spPr>
           <a:xfrm>
-            <a:off x="4139952" y="3284984"/>
-            <a:ext cx="0" cy="1728192"/>
+            <a:off x="468387" y="1368177"/>
+            <a:ext cx="0" cy="1728193"/>
           </a:xfrm>
           <a:prstGeom prst="straightConnector1">
             <a:avLst/>
@@ -3163,14 +3163,14 @@
       </p:cxnSp>
       <p:cxnSp>
         <p:nvCxnSpPr>
-          <p:cNvPr id="11" name="10 Conector recto de flecha"/>
+          <p:cNvPr id="33" name="32 Conector recto de flecha"/>
           <p:cNvCxnSpPr/>
           <p:nvPr/>
         </p:nvCxnSpPr>
         <p:spPr>
           <a:xfrm flipV="1">
-            <a:off x="4139952" y="2204864"/>
-            <a:ext cx="936104" cy="1080120"/>
+            <a:off x="468387" y="288057"/>
+            <a:ext cx="936105" cy="1080120"/>
           </a:xfrm>
           <a:prstGeom prst="straightConnector1">
             <a:avLst/>
@@ -3196,14 +3196,14 @@
       </p:cxnSp>
       <p:sp>
         <p:nvSpPr>
-          <p:cNvPr id="14" name="13 CuadroTexto"/>
+          <p:cNvPr id="34" name="33 CuadroTexto"/>
           <p:cNvSpPr txBox="1"/>
           <p:nvPr/>
         </p:nvSpPr>
         <p:spPr>
           <a:xfrm>
-            <a:off x="5269485" y="1988840"/>
-            <a:ext cx="504056" cy="369332"/>
+            <a:off x="1404492" y="134749"/>
+            <a:ext cx="504055" cy="369332"/>
           </a:xfrm>
           <a:prstGeom prst="rect">
             <a:avLst/>
@@ -3211,7 +3211,7 @@
           <a:noFill/>
         </p:spPr>
         <p:txBody>
-          <a:bodyPr wrap="square" rtlCol="0">
+          <a:bodyPr wrap="square" lIns="91430" tIns="45716" rIns="91430" bIns="45716" rtlCol="0">
             <a:spAutoFit/>
           </a:bodyPr>
           <a:lstStyle/>
@@ -3226,14 +3226,14 @@
       </p:sp>
       <p:sp>
         <p:nvSpPr>
-          <p:cNvPr id="15" name="14 CuadroTexto"/>
+          <p:cNvPr id="35" name="34 CuadroTexto"/>
           <p:cNvSpPr txBox="1"/>
           <p:nvPr/>
         </p:nvSpPr>
         <p:spPr>
           <a:xfrm>
-            <a:off x="3887924" y="5065845"/>
-            <a:ext cx="504056" cy="369332"/>
+            <a:off x="216360" y="3149038"/>
+            <a:ext cx="504055" cy="369332"/>
           </a:xfrm>
           <a:prstGeom prst="rect">
             <a:avLst/>
@@ -3241,7 +3241,7 @@
           <a:noFill/>
         </p:spPr>
         <p:txBody>
-          <a:bodyPr wrap="square" rtlCol="0">
+          <a:bodyPr wrap="square" lIns="91430" tIns="45716" rIns="91430" bIns="45716" rtlCol="0">
             <a:spAutoFit/>
           </a:bodyPr>
           <a:lstStyle/>
@@ -3256,14 +3256,14 @@
       </p:sp>
       <p:sp>
         <p:nvSpPr>
-          <p:cNvPr id="16" name="15 CuadroTexto"/>
+          <p:cNvPr id="36" name="35 CuadroTexto"/>
           <p:cNvSpPr txBox="1"/>
           <p:nvPr/>
         </p:nvSpPr>
         <p:spPr>
           <a:xfrm>
-            <a:off x="1691680" y="3100318"/>
-            <a:ext cx="504056" cy="369332"/>
+            <a:off x="2196580" y="1224161"/>
+            <a:ext cx="504055" cy="369332"/>
           </a:xfrm>
           <a:prstGeom prst="rect">
             <a:avLst/>
@@ -3271,7 +3271,7 @@
           <a:noFill/>
         </p:spPr>
         <p:txBody>
-          <a:bodyPr wrap="square" rtlCol="0">
+          <a:bodyPr wrap="square" lIns="91430" tIns="45716" rIns="91430" bIns="45716" rtlCol="0">
             <a:spAutoFit/>
           </a:bodyPr>
           <a:lstStyle/>
@@ -3294,6 +3294,13 @@
   <p:clrMapOvr>
     <a:masterClrMapping/>
   </p:clrMapOvr>
+  <p:timing>
+    <p:tnLst>
+      <p:par>
+        <p:cTn id="1" dur="indefinite" restart="never" nodeType="tmRoot"/>
+      </p:par>
+    </p:tnLst>
+  </p:timing>
 </p:sld>
 </file>
 
